--- a/Project1/Reports/Interim_goulding.pptx
+++ b/Project1/Reports/Interim_goulding.pptx
@@ -194,7 +194,7 @@
           <a:p>
             <a:fld id="{A9C70C84-E375-0548-BB90-FB73D9C9D6B4}" type="datetimeFigureOut">
               <a:rPr lang="en-US" smtClean="0"/>
-              <a:t>9/24/17</a:t>
+              <a:t>9/25/17</a:t>
             </a:fld>
             <a:endParaRPr lang="en-US"/>
           </a:p>
@@ -529,7 +529,72 @@
             </a:r>
             <a:r>
               <a:rPr lang="en-US" baseline="0" dirty="0" smtClean="0"/>
-              <a:t> noting special data features or problems</a:t>
+              <a:t> noting special data features or </a:t>
+            </a:r>
+            <a:r>
+              <a:rPr lang="en-US" baseline="0" dirty="0" smtClean="0"/>
+              <a:t>problems</a:t>
+            </a:r>
+          </a:p>
+          <a:p>
+            <a:pPr marL="0" marR="0" indent="0" algn="l" defTabSz="457200" rtl="0" eaLnBrk="1" fontAlgn="auto" latinLnBrk="0" hangingPunct="1">
+              <a:lnSpc>
+                <a:spcPct val="100000"/>
+              </a:lnSpc>
+              <a:spcBef>
+                <a:spcPts val="0"/>
+              </a:spcBef>
+              <a:spcAft>
+                <a:spcPts val="0"/>
+              </a:spcAft>
+              <a:buClrTx/>
+              <a:buSzTx/>
+              <a:buFontTx/>
+              <a:buNone/>
+              <a:tabLst/>
+              <a:defRPr/>
+            </a:pPr>
+            <a:r>
+              <a:rPr lang="en-US" baseline="0" dirty="0" smtClean="0"/>
+              <a:t/>
+            </a:r>
+            <a:br>
+              <a:rPr lang="en-US" baseline="0" dirty="0" smtClean="0"/>
+            </a:br>
+            <a:r>
+              <a:rPr lang="en-US" baseline="0" dirty="0" smtClean="0"/>
+              <a:t>email: categories / get rid of </a:t>
+            </a:r>
+            <a:r>
+              <a:rPr lang="en-US" baseline="0" dirty="0" err="1" smtClean="0"/>
+              <a:t>bmi</a:t>
+            </a:r>
+            <a:r>
+              <a:rPr lang="en-US" baseline="0" dirty="0" smtClean="0"/>
+              <a:t> etc. </a:t>
+            </a:r>
+          </a:p>
+          <a:p>
+            <a:pPr marL="0" marR="0" indent="0" algn="l" defTabSz="457200" rtl="0" eaLnBrk="1" fontAlgn="auto" latinLnBrk="0" hangingPunct="1">
+              <a:lnSpc>
+                <a:spcPct val="100000"/>
+              </a:lnSpc>
+              <a:spcBef>
+                <a:spcPts val="0"/>
+              </a:spcBef>
+              <a:spcAft>
+                <a:spcPts val="0"/>
+              </a:spcAft>
+              <a:buClrTx/>
+              <a:buSzTx/>
+              <a:buFontTx/>
+              <a:buNone/>
+              <a:tabLst/>
+              <a:defRPr/>
+            </a:pPr>
+            <a:r>
+              <a:rPr lang="en-US" baseline="0" dirty="0" smtClean="0"/>
+              <a:t>Log ten scale for viral load/ can talk about changes in log scale </a:t>
             </a:r>
             <a:endParaRPr lang="en-US" dirty="0"/>
           </a:p>
@@ -949,7 +1014,7 @@
           <a:p>
             <a:fld id="{A4A6734C-E115-4BC5-9FB0-F9BF6FABFDA0}" type="datetimeFigureOut">
               <a:rPr lang="en-US" smtClean="0"/>
-              <a:t>9/24/17</a:t>
+              <a:t>9/25/17</a:t>
             </a:fld>
             <a:endParaRPr lang="en-US"/>
           </a:p>
@@ -1114,7 +1179,7 @@
           <a:p>
             <a:fld id="{A4A6734C-E115-4BC5-9FB0-F9BF6FABFDA0}" type="datetimeFigureOut">
               <a:rPr lang="en-US" smtClean="0"/>
-              <a:t>9/24/17</a:t>
+              <a:t>9/25/17</a:t>
             </a:fld>
             <a:endParaRPr lang="en-US"/>
           </a:p>
@@ -1289,7 +1354,7 @@
           <a:p>
             <a:fld id="{A4A6734C-E115-4BC5-9FB0-F9BF6FABFDA0}" type="datetimeFigureOut">
               <a:rPr lang="en-US" smtClean="0"/>
-              <a:t>9/24/17</a:t>
+              <a:t>9/25/17</a:t>
             </a:fld>
             <a:endParaRPr lang="en-US"/>
           </a:p>
@@ -1454,7 +1519,7 @@
           <a:p>
             <a:fld id="{A4A6734C-E115-4BC5-9FB0-F9BF6FABFDA0}" type="datetimeFigureOut">
               <a:rPr lang="en-US" smtClean="0"/>
-              <a:t>9/24/17</a:t>
+              <a:t>9/25/17</a:t>
             </a:fld>
             <a:endParaRPr lang="en-US"/>
           </a:p>
@@ -1695,7 +1760,7 @@
           <a:p>
             <a:fld id="{A4A6734C-E115-4BC5-9FB0-F9BF6FABFDA0}" type="datetimeFigureOut">
               <a:rPr lang="en-US" smtClean="0"/>
-              <a:t>9/24/17</a:t>
+              <a:t>9/25/17</a:t>
             </a:fld>
             <a:endParaRPr lang="en-US"/>
           </a:p>
@@ -1978,7 +2043,7 @@
           <a:p>
             <a:fld id="{A4A6734C-E115-4BC5-9FB0-F9BF6FABFDA0}" type="datetimeFigureOut">
               <a:rPr lang="en-US" smtClean="0"/>
-              <a:t>9/24/17</a:t>
+              <a:t>9/25/17</a:t>
             </a:fld>
             <a:endParaRPr lang="en-US"/>
           </a:p>
@@ -2407,7 +2472,7 @@
           <a:p>
             <a:fld id="{A4A6734C-E115-4BC5-9FB0-F9BF6FABFDA0}" type="datetimeFigureOut">
               <a:rPr lang="en-US" smtClean="0"/>
-              <a:t>9/24/17</a:t>
+              <a:t>9/25/17</a:t>
             </a:fld>
             <a:endParaRPr lang="en-US"/>
           </a:p>
@@ -2520,7 +2585,7 @@
           <a:p>
             <a:fld id="{A4A6734C-E115-4BC5-9FB0-F9BF6FABFDA0}" type="datetimeFigureOut">
               <a:rPr lang="en-US" smtClean="0"/>
-              <a:t>9/24/17</a:t>
+              <a:t>9/25/17</a:t>
             </a:fld>
             <a:endParaRPr lang="en-US"/>
           </a:p>
@@ -2610,7 +2675,7 @@
           <a:p>
             <a:fld id="{A4A6734C-E115-4BC5-9FB0-F9BF6FABFDA0}" type="datetimeFigureOut">
               <a:rPr lang="en-US" smtClean="0"/>
-              <a:t>9/24/17</a:t>
+              <a:t>9/25/17</a:t>
             </a:fld>
             <a:endParaRPr lang="en-US"/>
           </a:p>
@@ -2799,7 +2864,7 @@
           <a:p>
             <a:fld id="{A4A6734C-E115-4BC5-9FB0-F9BF6FABFDA0}" type="datetimeFigureOut">
               <a:rPr lang="en-US" smtClean="0"/>
-              <a:t>9/24/17</a:t>
+              <a:t>9/25/17</a:t>
             </a:fld>
             <a:endParaRPr lang="en-US"/>
           </a:p>
@@ -3117,7 +3182,7 @@
           <a:p>
             <a:fld id="{A4A6734C-E115-4BC5-9FB0-F9BF6FABFDA0}" type="datetimeFigureOut">
               <a:rPr lang="en-US" smtClean="0"/>
-              <a:t>9/24/17</a:t>
+              <a:t>9/25/17</a:t>
             </a:fld>
             <a:endParaRPr lang="en-US"/>
           </a:p>
@@ -3496,7 +3561,7 @@
           <a:p>
             <a:fld id="{A4A6734C-E115-4BC5-9FB0-F9BF6FABFDA0}" type="datetimeFigureOut">
               <a:rPr lang="en-US" smtClean="0"/>
-              <a:t>9/24/17</a:t>
+              <a:t>9/25/17</a:t>
             </a:fld>
             <a:endParaRPr lang="en-US"/>
           </a:p>
